--- a/14Performance.pptx
+++ b/14Performance.pptx
@@ -5,15 +5,18 @@
     <p:sldMasterId id="2147483684" r:id="rId1"/>
   </p:sldMasterIdLst>
   <p:notesMasterIdLst>
-    <p:notesMasterId r:id="rId8"/>
+    <p:notesMasterId r:id="rId11"/>
   </p:notesMasterIdLst>
   <p:sldIdLst>
     <p:sldId id="256" r:id="rId2"/>
-    <p:sldId id="261" r:id="rId3"/>
-    <p:sldId id="262" r:id="rId4"/>
-    <p:sldId id="264" r:id="rId5"/>
-    <p:sldId id="263" r:id="rId6"/>
-    <p:sldId id="260" r:id="rId7"/>
+    <p:sldId id="267" r:id="rId3"/>
+    <p:sldId id="268" r:id="rId4"/>
+    <p:sldId id="261" r:id="rId5"/>
+    <p:sldId id="265" r:id="rId6"/>
+    <p:sldId id="266" r:id="rId7"/>
+    <p:sldId id="262" r:id="rId8"/>
+    <p:sldId id="264" r:id="rId9"/>
+    <p:sldId id="260" r:id="rId10"/>
   </p:sldIdLst>
   <p:sldSz cx="12192000" cy="6858000"/>
   <p:notesSz cx="6858000" cy="9144000"/>
@@ -202,7 +205,7 @@
           <a:p>
             <a:fld id="{86035F98-A1BD-4CEA-97BE-8B0B3D35457A}" type="datetimeFigureOut">
               <a:rPr lang="de-DE" smtClean="0"/>
-              <a:t>02.06.2017</a:t>
+              <a:t>08.06.2018</a:t>
             </a:fld>
             <a:endParaRPr lang="de-DE"/>
           </a:p>
@@ -598,7 +601,7 @@
           <a:p>
             <a:fld id="{D92B96C3-1F42-476F-BF68-0478C74608EE}" type="datetimeFigureOut">
               <a:rPr lang="de-DE" smtClean="0"/>
-              <a:t>02.06.2017</a:t>
+              <a:t>08.06.2018</a:t>
             </a:fld>
             <a:endParaRPr lang="de-DE"/>
           </a:p>
@@ -766,7 +769,7 @@
           <a:p>
             <a:fld id="{D92B96C3-1F42-476F-BF68-0478C74608EE}" type="datetimeFigureOut">
               <a:rPr lang="de-DE" smtClean="0"/>
-              <a:t>02.06.2017</a:t>
+              <a:t>08.06.2018</a:t>
             </a:fld>
             <a:endParaRPr lang="de-DE"/>
           </a:p>
@@ -944,7 +947,7 @@
           <a:p>
             <a:fld id="{D92B96C3-1F42-476F-BF68-0478C74608EE}" type="datetimeFigureOut">
               <a:rPr lang="de-DE" smtClean="0"/>
-              <a:t>02.06.2017</a:t>
+              <a:t>08.06.2018</a:t>
             </a:fld>
             <a:endParaRPr lang="de-DE"/>
           </a:p>
@@ -1112,7 +1115,7 @@
           <a:p>
             <a:fld id="{D92B96C3-1F42-476F-BF68-0478C74608EE}" type="datetimeFigureOut">
               <a:rPr lang="de-DE" smtClean="0"/>
-              <a:t>02.06.2017</a:t>
+              <a:t>08.06.2018</a:t>
             </a:fld>
             <a:endParaRPr lang="de-DE"/>
           </a:p>
@@ -1357,7 +1360,7 @@
           <a:p>
             <a:fld id="{D92B96C3-1F42-476F-BF68-0478C74608EE}" type="datetimeFigureOut">
               <a:rPr lang="de-DE" smtClean="0"/>
-              <a:t>02.06.2017</a:t>
+              <a:t>08.06.2018</a:t>
             </a:fld>
             <a:endParaRPr lang="de-DE"/>
           </a:p>
@@ -1586,7 +1589,7 @@
           <a:p>
             <a:fld id="{D92B96C3-1F42-476F-BF68-0478C74608EE}" type="datetimeFigureOut">
               <a:rPr lang="de-DE" smtClean="0"/>
-              <a:t>02.06.2017</a:t>
+              <a:t>08.06.2018</a:t>
             </a:fld>
             <a:endParaRPr lang="de-DE"/>
           </a:p>
@@ -1950,7 +1953,7 @@
           <a:p>
             <a:fld id="{D92B96C3-1F42-476F-BF68-0478C74608EE}" type="datetimeFigureOut">
               <a:rPr lang="de-DE" smtClean="0"/>
-              <a:t>02.06.2017</a:t>
+              <a:t>08.06.2018</a:t>
             </a:fld>
             <a:endParaRPr lang="de-DE"/>
           </a:p>
@@ -2067,7 +2070,7 @@
           <a:p>
             <a:fld id="{D92B96C3-1F42-476F-BF68-0478C74608EE}" type="datetimeFigureOut">
               <a:rPr lang="de-DE" smtClean="0"/>
-              <a:t>02.06.2017</a:t>
+              <a:t>08.06.2018</a:t>
             </a:fld>
             <a:endParaRPr lang="de-DE"/>
           </a:p>
@@ -2162,7 +2165,7 @@
           <a:p>
             <a:fld id="{D92B96C3-1F42-476F-BF68-0478C74608EE}" type="datetimeFigureOut">
               <a:rPr lang="de-DE" smtClean="0"/>
-              <a:t>02.06.2017</a:t>
+              <a:t>08.06.2018</a:t>
             </a:fld>
             <a:endParaRPr lang="de-DE"/>
           </a:p>
@@ -2437,7 +2440,7 @@
           <a:p>
             <a:fld id="{D92B96C3-1F42-476F-BF68-0478C74608EE}" type="datetimeFigureOut">
               <a:rPr lang="de-DE" smtClean="0"/>
-              <a:t>02.06.2017</a:t>
+              <a:t>08.06.2018</a:t>
             </a:fld>
             <a:endParaRPr lang="de-DE"/>
           </a:p>
@@ -2689,7 +2692,7 @@
           <a:p>
             <a:fld id="{D92B96C3-1F42-476F-BF68-0478C74608EE}" type="datetimeFigureOut">
               <a:rPr lang="de-DE" smtClean="0"/>
-              <a:t>02.06.2017</a:t>
+              <a:t>08.06.2018</a:t>
             </a:fld>
             <a:endParaRPr lang="de-DE"/>
           </a:p>
@@ -2900,7 +2903,7 @@
           <a:p>
             <a:fld id="{D92B96C3-1F42-476F-BF68-0478C74608EE}" type="datetimeFigureOut">
               <a:rPr lang="de-DE" smtClean="0"/>
-              <a:t>02.06.2017</a:t>
+              <a:t>08.06.2018</a:t>
             </a:fld>
             <a:endParaRPr lang="de-DE"/>
           </a:p>
@@ -3472,7 +3475,7 @@
           <a:p>
             <a:r>
               <a:rPr lang="de-DE" dirty="0" smtClean="0"/>
-              <a:t>Caching</a:t>
+              <a:t>Was ist schnell?</a:t>
             </a:r>
             <a:endParaRPr lang="de-DE" dirty="0"/>
           </a:p>
@@ -3495,130 +3498,363 @@
           <a:p>
             <a:r>
               <a:rPr lang="de-DE" dirty="0" smtClean="0"/>
-              <a:t>Browser </a:t>
-            </a:r>
+              <a:t>Physikalisch</a:t>
+            </a:r>
+          </a:p>
+          <a:p>
+            <a:pPr lvl="1"/>
             <a:r>
               <a:rPr lang="de-DE" dirty="0" smtClean="0"/>
-              <a:t>Caching</a:t>
-            </a:r>
-          </a:p>
-          <a:p>
+              <a:t>Zeit</a:t>
+            </a:r>
+          </a:p>
+          <a:p>
+            <a:pPr lvl="1"/>
             <a:r>
               <a:rPr lang="de-DE" dirty="0" smtClean="0"/>
-              <a:t>Server Caching</a:t>
+              <a:t>Strecke</a:t>
+            </a:r>
+          </a:p>
+          <a:p>
+            <a:r>
+              <a:rPr lang="de-DE" dirty="0" smtClean="0"/>
+              <a:t>Emotional</a:t>
             </a:r>
           </a:p>
           <a:p>
             <a:pPr lvl="1"/>
             <a:r>
               <a:rPr lang="de-DE" dirty="0" smtClean="0"/>
-              <a:t>Wird vom Webserver Verwaltet</a:t>
+              <a:t>Haptisches Feedback</a:t>
+            </a:r>
+          </a:p>
+          <a:p>
+            <a:pPr lvl="1"/>
+            <a:r>
+              <a:rPr lang="de-DE" dirty="0" smtClean="0"/>
+              <a:t>Erwartungshaltung</a:t>
+            </a:r>
+          </a:p>
+          <a:p>
+            <a:pPr lvl="1"/>
+            <a:r>
+              <a:rPr lang="de-DE" dirty="0" smtClean="0"/>
+              <a:t>Tricks</a:t>
+            </a:r>
+          </a:p>
+          <a:p>
+            <a:pPr lvl="2"/>
+            <a:r>
+              <a:rPr lang="de-DE" dirty="0" smtClean="0"/>
+              <a:t>Fortschrittsanzeige, </a:t>
+            </a:r>
+            <a:r>
+              <a:rPr lang="de-DE" dirty="0" err="1" smtClean="0"/>
+              <a:t>Splashscreen</a:t>
             </a:r>
             <a:endParaRPr lang="de-DE" dirty="0" smtClean="0"/>
           </a:p>
           <a:p>
             <a:pPr lvl="1"/>
-            <a:r>
-              <a:rPr lang="de-DE" dirty="0" smtClean="0"/>
-              <a:t>Data Control Caching</a:t>
-            </a:r>
-          </a:p>
-          <a:p>
-            <a:pPr lvl="1"/>
-            <a:r>
-              <a:rPr lang="de-DE" dirty="0" smtClean="0"/>
-              <a:t>Data Caching</a:t>
-            </a:r>
-          </a:p>
-          <a:p>
-            <a:pPr lvl="1"/>
-            <a:r>
-              <a:rPr lang="de-DE" dirty="0" err="1" smtClean="0"/>
-              <a:t>Render</a:t>
-            </a:r>
-            <a:r>
-              <a:rPr lang="de-DE" dirty="0" smtClean="0"/>
-              <a:t> Caching</a:t>
-            </a:r>
-          </a:p>
-          <a:p>
-            <a:pPr lvl="2"/>
-            <a:r>
-              <a:rPr lang="de-DE" dirty="0" smtClean="0"/>
-              <a:t>Page</a:t>
-            </a:r>
-          </a:p>
-          <a:p>
-            <a:pPr lvl="2"/>
-            <a:r>
-              <a:rPr lang="de-DE" dirty="0" err="1" smtClean="0"/>
-              <a:t>Usercontrol</a:t>
-            </a:r>
             <a:endParaRPr lang="de-DE" dirty="0" smtClean="0"/>
           </a:p>
-          <a:p>
-            <a:pPr lvl="2"/>
-            <a:r>
-              <a:rPr lang="de-DE" dirty="0" smtClean="0"/>
-              <a:t>Substitution </a:t>
-            </a:r>
-            <a:r>
-              <a:rPr lang="de-DE" dirty="0" smtClean="0"/>
-              <a:t>Control</a:t>
-            </a:r>
-            <a:endParaRPr lang="de-DE" dirty="0"/>
-          </a:p>
-        </p:txBody>
-      </p:sp>
-      <p:sp>
-        <p:nvSpPr>
-          <p:cNvPr id="4" name="Textfeld 3"/>
-          <p:cNvSpPr txBox="1"/>
+        </p:txBody>
+      </p:sp>
+      <p:pic>
+        <p:nvPicPr>
+          <p:cNvPr id="4" name="Grafik 3"/>
+          <p:cNvPicPr>
+            <a:picLocks noChangeAspect="1"/>
+          </p:cNvPicPr>
           <p:nvPr/>
-        </p:nvSpPr>
+        </p:nvPicPr>
+        <p:blipFill>
+          <a:blip r:embed="rId2">
+            <a:extLst>
+              <a:ext uri="{28A0092B-C50C-407E-A947-70E740481C1C}">
+                <a14:useLocalDpi xmlns:a14="http://schemas.microsoft.com/office/drawing/2010/main" val="0"/>
+              </a:ext>
+            </a:extLst>
+          </a:blip>
+          <a:stretch>
+            <a:fillRect/>
+          </a:stretch>
+        </p:blipFill>
         <p:spPr>
           <a:xfrm>
-            <a:off x="7169285" y="632298"/>
-            <a:ext cx="4184515" cy="1477328"/>
+            <a:off x="8438398" y="365125"/>
+            <a:ext cx="3343763" cy="1877082"/>
           </a:xfrm>
           <a:prstGeom prst="rect">
             <a:avLst/>
           </a:prstGeom>
-          <a:solidFill>
-            <a:srgbClr val="FFC000"/>
-          </a:solidFill>
         </p:spPr>
-        <p:txBody>
-          <a:bodyPr wrap="square" rtlCol="0">
-            <a:spAutoFit/>
+      </p:pic>
+    </p:spTree>
+    <p:extLst>
+      <p:ext uri="{BB962C8B-B14F-4D97-AF65-F5344CB8AC3E}">
+        <p14:creationId xmlns:p14="http://schemas.microsoft.com/office/powerpoint/2010/main" val="2050473623"/>
+      </p:ext>
+    </p:extLst>
+  </p:cSld>
+  <p:clrMapOvr>
+    <a:masterClrMapping/>
+  </p:clrMapOvr>
+</p:sld>
+</file>
+
+<file path=ppt/slides/slide3.xml><?xml version="1.0" encoding="utf-8"?>
+<p:sld xmlns:a="http://schemas.openxmlformats.org/drawingml/2006/main" xmlns:r="http://schemas.openxmlformats.org/officeDocument/2006/relationships" xmlns:p="http://schemas.openxmlformats.org/presentationml/2006/main">
+  <p:cSld>
+    <p:spTree>
+      <p:nvGrpSpPr>
+        <p:cNvPr id="1" name=""/>
+        <p:cNvGrpSpPr/>
+        <p:nvPr/>
+      </p:nvGrpSpPr>
+      <p:grpSpPr>
+        <a:xfrm>
+          <a:off x="0" y="0"/>
+          <a:ext cx="0" cy="0"/>
+          <a:chOff x="0" y="0"/>
+          <a:chExt cx="0" cy="0"/>
+        </a:xfrm>
+      </p:grpSpPr>
+      <p:sp>
+        <p:nvSpPr>
+          <p:cNvPr id="2" name="Titel 1"/>
+          <p:cNvSpPr>
+            <a:spLocks noGrp="1"/>
+          </p:cNvSpPr>
+          <p:nvPr>
+            <p:ph type="title"/>
+          </p:nvPr>
+        </p:nvSpPr>
+        <p:spPr/>
+        <p:txBody>
+          <a:bodyPr/>
+          <a:lstStyle/>
+          <a:p>
+            <a:r>
+              <a:rPr lang="de-DE" dirty="0" smtClean="0"/>
+              <a:t>Regeln</a:t>
+            </a:r>
+            <a:endParaRPr lang="de-DE" dirty="0"/>
+          </a:p>
+        </p:txBody>
+      </p:sp>
+      <p:sp>
+        <p:nvSpPr>
+          <p:cNvPr id="3" name="Inhaltsplatzhalter 2"/>
+          <p:cNvSpPr>
+            <a:spLocks noGrp="1"/>
+          </p:cNvSpPr>
+          <p:nvPr>
+            <p:ph idx="1"/>
+          </p:nvPr>
+        </p:nvSpPr>
+        <p:spPr/>
+        <p:txBody>
+          <a:bodyPr/>
+          <a:lstStyle/>
+          <a:p>
+            <a:r>
+              <a:rPr lang="de-DE" dirty="0" smtClean="0"/>
+              <a:t>Nichts tun geht am schnellsten</a:t>
+            </a:r>
+          </a:p>
+          <a:p>
+            <a:r>
+              <a:rPr lang="de-DE" dirty="0" smtClean="0"/>
+              <a:t>Nur </a:t>
+            </a:r>
+            <a:r>
+              <a:rPr lang="de-DE" smtClean="0"/>
+              <a:t>tun was </a:t>
+            </a:r>
+            <a:r>
+              <a:rPr lang="de-DE" dirty="0" smtClean="0"/>
+              <a:t>unbedingt sein muss</a:t>
+            </a:r>
+          </a:p>
+          <a:p>
+            <a:r>
+              <a:rPr lang="de-DE" dirty="0" err="1" smtClean="0"/>
+              <a:t>Effizenz</a:t>
+            </a:r>
+            <a:r>
+              <a:rPr lang="de-DE" dirty="0" smtClean="0"/>
+              <a:t> /</a:t>
+            </a:r>
+            <a:r>
+              <a:rPr lang="de-DE" dirty="0" err="1" smtClean="0"/>
+              <a:t>optimierung</a:t>
+            </a:r>
+            <a:endParaRPr lang="de-DE" dirty="0" smtClean="0"/>
+          </a:p>
+          <a:p>
+            <a:endParaRPr lang="de-DE" dirty="0"/>
+          </a:p>
+        </p:txBody>
+      </p:sp>
+    </p:spTree>
+    <p:extLst>
+      <p:ext uri="{BB962C8B-B14F-4D97-AF65-F5344CB8AC3E}">
+        <p14:creationId xmlns:p14="http://schemas.microsoft.com/office/powerpoint/2010/main" val="1540845341"/>
+      </p:ext>
+    </p:extLst>
+  </p:cSld>
+  <p:clrMapOvr>
+    <a:masterClrMapping/>
+  </p:clrMapOvr>
+</p:sld>
+</file>
+
+<file path=ppt/slides/slide4.xml><?xml version="1.0" encoding="utf-8"?>
+<p:sld xmlns:a="http://schemas.openxmlformats.org/drawingml/2006/main" xmlns:r="http://schemas.openxmlformats.org/officeDocument/2006/relationships" xmlns:p="http://schemas.openxmlformats.org/presentationml/2006/main">
+  <p:cSld>
+    <p:spTree>
+      <p:nvGrpSpPr>
+        <p:cNvPr id="1" name=""/>
+        <p:cNvGrpSpPr/>
+        <p:nvPr/>
+      </p:nvGrpSpPr>
+      <p:grpSpPr>
+        <a:xfrm>
+          <a:off x="0" y="0"/>
+          <a:ext cx="0" cy="0"/>
+          <a:chOff x="0" y="0"/>
+          <a:chExt cx="0" cy="0"/>
+        </a:xfrm>
+      </p:grpSpPr>
+      <p:sp>
+        <p:nvSpPr>
+          <p:cNvPr id="2" name="Titel 1"/>
+          <p:cNvSpPr>
+            <a:spLocks noGrp="1"/>
+          </p:cNvSpPr>
+          <p:nvPr>
+            <p:ph type="title"/>
+          </p:nvPr>
+        </p:nvSpPr>
+        <p:spPr/>
+        <p:txBody>
+          <a:bodyPr/>
+          <a:lstStyle/>
+          <a:p>
+            <a:r>
+              <a:rPr lang="de-DE" dirty="0" smtClean="0"/>
+              <a:t>Caching ist Web DNA</a:t>
+            </a:r>
+            <a:endParaRPr lang="de-DE" dirty="0"/>
+          </a:p>
+        </p:txBody>
+      </p:sp>
+      <p:sp>
+        <p:nvSpPr>
+          <p:cNvPr id="3" name="Inhaltsplatzhalter 2"/>
+          <p:cNvSpPr>
+            <a:spLocks noGrp="1"/>
+          </p:cNvSpPr>
+          <p:nvPr>
+            <p:ph idx="1"/>
+          </p:nvPr>
+        </p:nvSpPr>
+        <p:spPr/>
+        <p:txBody>
+          <a:bodyPr>
+            <a:normAutofit/>
           </a:bodyPr>
           <a:lstStyle/>
           <a:p>
             <a:r>
               <a:rPr lang="de-DE" dirty="0" smtClean="0"/>
-              <a:t>Analogie</a:t>
-            </a:r>
-          </a:p>
-          <a:p>
+              <a:t>Browser </a:t>
+            </a:r>
+            <a:r>
+              <a:rPr lang="de-DE" dirty="0" smtClean="0"/>
+              <a:t>Caching</a:t>
+            </a:r>
+          </a:p>
+          <a:p>
+            <a:pPr lvl="1"/>
+            <a:r>
+              <a:rPr lang="de-DE" dirty="0" smtClean="0"/>
+              <a:t>Beispiel: Bilder werden nicht neu geladen</a:t>
+            </a:r>
+          </a:p>
+          <a:p>
+            <a:pPr lvl="2"/>
+            <a:r>
+              <a:rPr lang="de-DE" dirty="0" smtClean="0"/>
+              <a:t>Steuerung per Header</a:t>
+            </a:r>
+            <a:endParaRPr lang="de-DE" dirty="0" smtClean="0"/>
+          </a:p>
+          <a:p>
+            <a:r>
+              <a:rPr lang="de-DE" dirty="0" smtClean="0"/>
+              <a:t>Server Caching</a:t>
+            </a:r>
+          </a:p>
+          <a:p>
+            <a:pPr lvl="1"/>
+            <a:r>
+              <a:rPr lang="de-DE" dirty="0" smtClean="0"/>
+              <a:t>Data Caching</a:t>
+            </a:r>
+          </a:p>
+          <a:p>
+            <a:pPr lvl="2"/>
+            <a:r>
+              <a:rPr lang="de-DE" dirty="0" smtClean="0"/>
+              <a:t>Steuerelemente</a:t>
+            </a:r>
+          </a:p>
+          <a:p>
+            <a:pPr lvl="2"/>
             <a:r>
               <a:rPr lang="de-DE" dirty="0" err="1" smtClean="0"/>
-              <a:t>Application</a:t>
+              <a:t>SPeicherobjekt</a:t>
+            </a:r>
+            <a:endParaRPr lang="de-DE" dirty="0" smtClean="0"/>
+          </a:p>
+          <a:p>
+            <a:pPr lvl="1"/>
+            <a:r>
+              <a:rPr lang="de-DE" dirty="0" err="1" smtClean="0"/>
+              <a:t>Render</a:t>
             </a:r>
             <a:r>
               <a:rPr lang="de-DE" dirty="0" smtClean="0"/>
-              <a:t> ~ Cache + Ablaufdatum</a:t>
-            </a:r>
-          </a:p>
-          <a:p>
+              <a:t> </a:t>
+            </a:r>
             <a:r>
               <a:rPr lang="de-DE" dirty="0" smtClean="0"/>
-              <a:t>Session ~ Cache per User </a:t>
-            </a:r>
-          </a:p>
-          <a:p>
+              <a:t>Caching</a:t>
+            </a:r>
+          </a:p>
+          <a:p>
+            <a:pPr lvl="2"/>
+            <a:r>
+              <a:rPr lang="de-DE" dirty="0" smtClean="0"/>
+              <a:t>Page</a:t>
+            </a:r>
+          </a:p>
+          <a:p>
+            <a:pPr lvl="2"/>
+            <a:r>
+              <a:rPr lang="de-DE" dirty="0" err="1" smtClean="0"/>
+              <a:t>Usercontrol</a:t>
+            </a:r>
             <a:endParaRPr lang="de-DE" dirty="0" smtClean="0"/>
           </a:p>
           <a:p>
+            <a:pPr lvl="2"/>
+            <a:r>
+              <a:rPr lang="de-DE" dirty="0" smtClean="0"/>
+              <a:t>Substitution Control</a:t>
+            </a:r>
             <a:endParaRPr lang="de-DE" dirty="0"/>
           </a:p>
         </p:txBody>
@@ -3643,7 +3879,7 @@
 </p:sld>
 </file>
 
-<file path=ppt/slides/slide3.xml><?xml version="1.0" encoding="utf-8"?>
+<file path=ppt/slides/slide5.xml><?xml version="1.0" encoding="utf-8"?>
 <p:sld xmlns:a="http://schemas.openxmlformats.org/drawingml/2006/main" xmlns:r="http://schemas.openxmlformats.org/officeDocument/2006/relationships" xmlns:p="http://schemas.openxmlformats.org/presentationml/2006/main">
   <p:cSld>
     <p:spTree>
@@ -3676,6 +3912,366 @@
           <a:lstStyle/>
           <a:p>
             <a:r>
+              <a:rPr lang="de-DE" dirty="0" smtClean="0"/>
+              <a:t>Cache Objekt</a:t>
+            </a:r>
+            <a:endParaRPr lang="de-DE" dirty="0"/>
+          </a:p>
+        </p:txBody>
+      </p:sp>
+      <p:sp>
+        <p:nvSpPr>
+          <p:cNvPr id="3" name="Inhaltsplatzhalter 2"/>
+          <p:cNvSpPr>
+            <a:spLocks noGrp="1"/>
+          </p:cNvSpPr>
+          <p:nvPr>
+            <p:ph idx="1"/>
+          </p:nvPr>
+        </p:nvSpPr>
+        <p:spPr/>
+        <p:txBody>
+          <a:bodyPr/>
+          <a:lstStyle/>
+          <a:p>
+            <a:r>
+              <a:rPr lang="de-DE" dirty="0" smtClean="0"/>
+              <a:t>Key Value Collection-</a:t>
+            </a:r>
+            <a:r>
+              <a:rPr lang="de-DE" dirty="0" err="1" smtClean="0"/>
+              <a:t>ala</a:t>
+            </a:r>
+            <a:r>
+              <a:rPr lang="de-DE" dirty="0" smtClean="0"/>
+              <a:t> </a:t>
+            </a:r>
+            <a:r>
+              <a:rPr lang="de-DE" dirty="0" err="1" smtClean="0"/>
+              <a:t>Application</a:t>
+            </a:r>
+            <a:endParaRPr lang="de-DE" dirty="0"/>
+          </a:p>
+          <a:p>
+            <a:pPr lvl="2"/>
+            <a:r>
+              <a:rPr lang="de-DE" dirty="0" smtClean="0"/>
+              <a:t>Cache[„</a:t>
+            </a:r>
+            <a:r>
+              <a:rPr lang="de-DE" dirty="0" err="1" smtClean="0"/>
+              <a:t>key</a:t>
+            </a:r>
+            <a:r>
+              <a:rPr lang="de-DE" dirty="0" smtClean="0"/>
+              <a:t>“]=Wert</a:t>
+            </a:r>
+          </a:p>
+          <a:p>
+            <a:r>
+              <a:rPr lang="de-DE" dirty="0" err="1" smtClean="0"/>
+              <a:t>Priority</a:t>
+            </a:r>
+            <a:endParaRPr lang="de-DE" dirty="0" smtClean="0"/>
+          </a:p>
+          <a:p>
+            <a:r>
+              <a:rPr lang="de-DE" dirty="0" err="1" smtClean="0"/>
+              <a:t>Expiration</a:t>
+            </a:r>
+            <a:endParaRPr lang="de-DE" dirty="0" smtClean="0"/>
+          </a:p>
+          <a:p>
+            <a:pPr lvl="2"/>
+            <a:r>
+              <a:rPr lang="de-DE" dirty="0" err="1" smtClean="0"/>
+              <a:t>Sliding</a:t>
+            </a:r>
+            <a:endParaRPr lang="de-DE" dirty="0" smtClean="0"/>
+          </a:p>
+          <a:p>
+            <a:pPr lvl="2"/>
+            <a:r>
+              <a:rPr lang="de-DE" dirty="0" smtClean="0"/>
+              <a:t>Absolut</a:t>
+            </a:r>
+          </a:p>
+          <a:p>
+            <a:r>
+              <a:rPr lang="de-DE" dirty="0" err="1" smtClean="0"/>
+              <a:t>Dependency</a:t>
+            </a:r>
+            <a:endParaRPr lang="de-DE" dirty="0" smtClean="0"/>
+          </a:p>
+          <a:p>
+            <a:pPr lvl="2"/>
+            <a:r>
+              <a:rPr lang="de-DE" dirty="0" smtClean="0"/>
+              <a:t>File</a:t>
+            </a:r>
+          </a:p>
+          <a:p>
+            <a:pPr lvl="2"/>
+            <a:r>
+              <a:rPr lang="de-DE" dirty="0" smtClean="0"/>
+              <a:t>SQL</a:t>
+            </a:r>
+          </a:p>
+          <a:p>
+            <a:r>
+              <a:rPr lang="de-DE" dirty="0" err="1" smtClean="0"/>
+              <a:t>RemoveCallBack</a:t>
+            </a:r>
+            <a:endParaRPr lang="de-DE" dirty="0"/>
+          </a:p>
+        </p:txBody>
+      </p:sp>
+      <p:sp>
+        <p:nvSpPr>
+          <p:cNvPr id="4" name="Textfeld 3"/>
+          <p:cNvSpPr txBox="1"/>
+          <p:nvPr/>
+        </p:nvSpPr>
+        <p:spPr>
+          <a:xfrm>
+            <a:off x="7169285" y="632298"/>
+            <a:ext cx="4184515" cy="1477328"/>
+          </a:xfrm>
+          <a:prstGeom prst="rect">
+            <a:avLst/>
+          </a:prstGeom>
+          <a:solidFill>
+            <a:srgbClr val="FFC000"/>
+          </a:solidFill>
+        </p:spPr>
+        <p:txBody>
+          <a:bodyPr wrap="square" rtlCol="0">
+            <a:spAutoFit/>
+          </a:bodyPr>
+          <a:lstStyle/>
+          <a:p>
+            <a:r>
+              <a:rPr lang="de-DE" dirty="0" smtClean="0"/>
+              <a:t>Analogie</a:t>
+            </a:r>
+          </a:p>
+          <a:p>
+            <a:r>
+              <a:rPr lang="de-DE" dirty="0" err="1" smtClean="0"/>
+              <a:t>Application</a:t>
+            </a:r>
+            <a:r>
+              <a:rPr lang="de-DE" dirty="0" smtClean="0"/>
+              <a:t> ~ Cache + Ablaufdatum</a:t>
+            </a:r>
+          </a:p>
+          <a:p>
+            <a:r>
+              <a:rPr lang="de-DE" dirty="0" smtClean="0"/>
+              <a:t>Session ~ Cache per User </a:t>
+            </a:r>
+          </a:p>
+          <a:p>
+            <a:endParaRPr lang="de-DE" dirty="0" smtClean="0"/>
+          </a:p>
+          <a:p>
+            <a:endParaRPr lang="de-DE" dirty="0"/>
+          </a:p>
+        </p:txBody>
+      </p:sp>
+    </p:spTree>
+    <p:extLst>
+      <p:ext uri="{BB962C8B-B14F-4D97-AF65-F5344CB8AC3E}">
+        <p14:creationId xmlns:p14="http://schemas.microsoft.com/office/powerpoint/2010/main" val="1280133516"/>
+      </p:ext>
+    </p:extLst>
+  </p:cSld>
+  <p:clrMapOvr>
+    <a:masterClrMapping/>
+  </p:clrMapOvr>
+  <p:timing>
+    <p:tnLst>
+      <p:par>
+        <p:cTn id="1" dur="indefinite" restart="never" nodeType="tmRoot"/>
+      </p:par>
+    </p:tnLst>
+  </p:timing>
+</p:sld>
+</file>
+
+<file path=ppt/slides/slide6.xml><?xml version="1.0" encoding="utf-8"?>
+<p:sld xmlns:a="http://schemas.openxmlformats.org/drawingml/2006/main" xmlns:r="http://schemas.openxmlformats.org/officeDocument/2006/relationships" xmlns:p="http://schemas.openxmlformats.org/presentationml/2006/main">
+  <p:cSld>
+    <p:spTree>
+      <p:nvGrpSpPr>
+        <p:cNvPr id="1" name=""/>
+        <p:cNvGrpSpPr/>
+        <p:nvPr/>
+      </p:nvGrpSpPr>
+      <p:grpSpPr>
+        <a:xfrm>
+          <a:off x="0" y="0"/>
+          <a:ext cx="0" cy="0"/>
+          <a:chOff x="0" y="0"/>
+          <a:chExt cx="0" cy="0"/>
+        </a:xfrm>
+      </p:grpSpPr>
+      <p:sp>
+        <p:nvSpPr>
+          <p:cNvPr id="2" name="Titel 1"/>
+          <p:cNvSpPr>
+            <a:spLocks noGrp="1"/>
+          </p:cNvSpPr>
+          <p:nvPr>
+            <p:ph type="title"/>
+          </p:nvPr>
+        </p:nvSpPr>
+        <p:spPr/>
+        <p:txBody>
+          <a:bodyPr/>
+          <a:lstStyle/>
+          <a:p>
+            <a:r>
+              <a:rPr lang="de-DE" dirty="0" smtClean="0"/>
+              <a:t>Page und User Control Caching</a:t>
+            </a:r>
+            <a:endParaRPr lang="de-DE" dirty="0"/>
+          </a:p>
+        </p:txBody>
+      </p:sp>
+      <p:sp>
+        <p:nvSpPr>
+          <p:cNvPr id="3" name="Inhaltsplatzhalter 2"/>
+          <p:cNvSpPr>
+            <a:spLocks noGrp="1"/>
+          </p:cNvSpPr>
+          <p:nvPr>
+            <p:ph idx="1"/>
+          </p:nvPr>
+        </p:nvSpPr>
+        <p:spPr/>
+        <p:txBody>
+          <a:bodyPr/>
+          <a:lstStyle/>
+          <a:p>
+            <a:r>
+              <a:rPr lang="de-DE" dirty="0" smtClean="0"/>
+              <a:t>Gerendertes HTML</a:t>
+            </a:r>
+          </a:p>
+          <a:p>
+            <a:r>
+              <a:rPr lang="de-DE" dirty="0" err="1" smtClean="0"/>
+              <a:t>OutputCache</a:t>
+            </a:r>
+            <a:endParaRPr lang="de-DE" dirty="0" smtClean="0"/>
+          </a:p>
+          <a:p>
+            <a:pPr lvl="1"/>
+            <a:r>
+              <a:rPr lang="de-DE" dirty="0" smtClean="0"/>
+              <a:t>Duration Sekunden</a:t>
+            </a:r>
+          </a:p>
+          <a:p>
+            <a:pPr lvl="1"/>
+            <a:r>
+              <a:rPr lang="de-DE" dirty="0" err="1" smtClean="0"/>
+              <a:t>VaryBy</a:t>
+            </a:r>
+            <a:r>
+              <a:rPr lang="de-DE" dirty="0" smtClean="0"/>
+              <a:t>..</a:t>
+            </a:r>
+          </a:p>
+          <a:p>
+            <a:r>
+              <a:rPr lang="de-DE" dirty="0" smtClean="0"/>
+              <a:t>Website Teile per </a:t>
+            </a:r>
+            <a:r>
+              <a:rPr lang="de-DE" dirty="0" err="1" smtClean="0"/>
+              <a:t>UserControl</a:t>
+            </a:r>
+            <a:endParaRPr lang="de-DE" dirty="0" smtClean="0"/>
+          </a:p>
+          <a:p>
+            <a:r>
+              <a:rPr lang="de-DE" dirty="0" err="1" smtClean="0"/>
+              <a:t>Substition</a:t>
+            </a:r>
+            <a:r>
+              <a:rPr lang="de-DE" dirty="0" smtClean="0"/>
+              <a:t> Control</a:t>
+            </a:r>
+          </a:p>
+          <a:p>
+            <a:pPr lvl="1"/>
+            <a:r>
+              <a:rPr lang="de-DE" dirty="0" err="1" smtClean="0"/>
+              <a:t>Function</a:t>
+            </a:r>
+            <a:r>
+              <a:rPr lang="de-DE" dirty="0" smtClean="0"/>
+              <a:t> ersetzt String</a:t>
+            </a:r>
+            <a:endParaRPr lang="de-DE" dirty="0"/>
+          </a:p>
+        </p:txBody>
+      </p:sp>
+    </p:spTree>
+    <p:extLst>
+      <p:ext uri="{BB962C8B-B14F-4D97-AF65-F5344CB8AC3E}">
+        <p14:creationId xmlns:p14="http://schemas.microsoft.com/office/powerpoint/2010/main" val="3738754549"/>
+      </p:ext>
+    </p:extLst>
+  </p:cSld>
+  <p:clrMapOvr>
+    <a:masterClrMapping/>
+  </p:clrMapOvr>
+  <p:timing>
+    <p:tnLst>
+      <p:par>
+        <p:cTn id="1" dur="indefinite" restart="never" nodeType="tmRoot"/>
+      </p:par>
+    </p:tnLst>
+  </p:timing>
+</p:sld>
+</file>
+
+<file path=ppt/slides/slide7.xml><?xml version="1.0" encoding="utf-8"?>
+<p:sld xmlns:a="http://schemas.openxmlformats.org/drawingml/2006/main" xmlns:r="http://schemas.openxmlformats.org/officeDocument/2006/relationships" xmlns:p="http://schemas.openxmlformats.org/presentationml/2006/main">
+  <p:cSld>
+    <p:spTree>
+      <p:nvGrpSpPr>
+        <p:cNvPr id="1" name=""/>
+        <p:cNvGrpSpPr/>
+        <p:nvPr/>
+      </p:nvGrpSpPr>
+      <p:grpSpPr>
+        <a:xfrm>
+          <a:off x="0" y="0"/>
+          <a:ext cx="0" cy="0"/>
+          <a:chOff x="0" y="0"/>
+          <a:chExt cx="0" cy="0"/>
+        </a:xfrm>
+      </p:grpSpPr>
+      <p:sp>
+        <p:nvSpPr>
+          <p:cNvPr id="2" name="Titel 1"/>
+          <p:cNvSpPr>
+            <a:spLocks noGrp="1"/>
+          </p:cNvSpPr>
+          <p:nvPr>
+            <p:ph type="title"/>
+          </p:nvPr>
+        </p:nvSpPr>
+        <p:spPr/>
+        <p:txBody>
+          <a:bodyPr/>
+          <a:lstStyle/>
+          <a:p>
+            <a:r>
               <a:rPr lang="de-DE" dirty="0" err="1" smtClean="0"/>
               <a:t>Bundling</a:t>
             </a:r>
@@ -3759,17 +4355,8 @@
             <a:pPr lvl="1"/>
             <a:r>
               <a:rPr lang="de-DE" dirty="0" smtClean="0"/>
-              <a:t>Entfernt Leerzeichen, benennt </a:t>
-            </a:r>
-            <a:r>
-              <a:rPr lang="de-DE" dirty="0" err="1" smtClean="0"/>
-              <a:t>Funtktionen</a:t>
-            </a:r>
-            <a:r>
-              <a:rPr lang="de-DE" dirty="0" smtClean="0"/>
-              <a:t> um</a:t>
-            </a:r>
-            <a:endParaRPr lang="de-DE" dirty="0" smtClean="0"/>
+              <a:t>Entfernt Leerzeichen, benennt Funktionen um</a:t>
+            </a:r>
           </a:p>
           <a:p>
             <a:r>
@@ -3819,7 +4406,7 @@
 </p:sld>
 </file>
 
-<file path=ppt/slides/slide4.xml><?xml version="1.0" encoding="utf-8"?>
+<file path=ppt/slides/slide8.xml><?xml version="1.0" encoding="utf-8"?>
 <p:sld xmlns:a="http://schemas.openxmlformats.org/drawingml/2006/main" xmlns:r="http://schemas.openxmlformats.org/officeDocument/2006/relationships" xmlns:p="http://schemas.openxmlformats.org/presentationml/2006/main">
   <p:cSld>
     <p:spTree>
@@ -4714,103 +5301,6 @@
   <p:clrMapOvr>
     <a:masterClrMapping/>
   </p:clrMapOvr>
-</p:sld>
-</file>
-
-<file path=ppt/slides/slide5.xml><?xml version="1.0" encoding="utf-8"?>
-<p:sld xmlns:a="http://schemas.openxmlformats.org/drawingml/2006/main" xmlns:r="http://schemas.openxmlformats.org/officeDocument/2006/relationships" xmlns:p="http://schemas.openxmlformats.org/presentationml/2006/main">
-  <p:cSld>
-    <p:spTree>
-      <p:nvGrpSpPr>
-        <p:cNvPr id="1" name=""/>
-        <p:cNvGrpSpPr/>
-        <p:nvPr/>
-      </p:nvGrpSpPr>
-      <p:grpSpPr>
-        <a:xfrm>
-          <a:off x="0" y="0"/>
-          <a:ext cx="0" cy="0"/>
-          <a:chOff x="0" y="0"/>
-          <a:chExt cx="0" cy="0"/>
-        </a:xfrm>
-      </p:grpSpPr>
-      <p:sp>
-        <p:nvSpPr>
-          <p:cNvPr id="2" name="Titel 1"/>
-          <p:cNvSpPr>
-            <a:spLocks noGrp="1"/>
-          </p:cNvSpPr>
-          <p:nvPr>
-            <p:ph type="title"/>
-          </p:nvPr>
-        </p:nvSpPr>
-        <p:spPr/>
-        <p:txBody>
-          <a:bodyPr/>
-          <a:lstStyle/>
-          <a:p>
-            <a:r>
-              <a:rPr lang="de-DE" dirty="0" smtClean="0"/>
-              <a:t>Google Pagespeed</a:t>
-            </a:r>
-            <a:endParaRPr lang="de-DE" dirty="0"/>
-          </a:p>
-        </p:txBody>
-      </p:sp>
-      <p:sp>
-        <p:nvSpPr>
-          <p:cNvPr id="3" name="Inhaltsplatzhalter 2"/>
-          <p:cNvSpPr>
-            <a:spLocks noGrp="1"/>
-          </p:cNvSpPr>
-          <p:nvPr>
-            <p:ph idx="1"/>
-          </p:nvPr>
-        </p:nvSpPr>
-        <p:spPr/>
-        <p:txBody>
-          <a:bodyPr/>
-          <a:lstStyle/>
-          <a:p>
-            <a:r>
-              <a:rPr lang="de-DE" dirty="0" smtClean="0"/>
-              <a:t>Kompression</a:t>
-            </a:r>
-          </a:p>
-          <a:p>
-            <a:pPr lvl="1"/>
-            <a:r>
-              <a:rPr lang="de-DE" dirty="0" smtClean="0"/>
-              <a:t>http</a:t>
-            </a:r>
-          </a:p>
-          <a:p>
-            <a:pPr lvl="1"/>
-            <a:r>
-              <a:rPr lang="de-DE" dirty="0" smtClean="0"/>
-              <a:t>Bilder</a:t>
-            </a:r>
-          </a:p>
-          <a:p>
-            <a:pPr lvl="1"/>
-            <a:r>
-              <a:rPr lang="de-DE" smtClean="0"/>
-              <a:t>CSS,JS</a:t>
-            </a:r>
-            <a:endParaRPr lang="de-DE"/>
-          </a:p>
-        </p:txBody>
-      </p:sp>
-    </p:spTree>
-    <p:extLst>
-      <p:ext uri="{BB962C8B-B14F-4D97-AF65-F5344CB8AC3E}">
-        <p14:creationId xmlns:p14="http://schemas.microsoft.com/office/powerpoint/2010/main" val="3277796088"/>
-      </p:ext>
-    </p:extLst>
-  </p:cSld>
-  <p:clrMapOvr>
-    <a:masterClrMapping/>
-  </p:clrMapOvr>
   <p:timing>
     <p:tnLst>
       <p:par>
@@ -4821,7 +5311,7 @@
 </p:sld>
 </file>
 
-<file path=ppt/slides/slide6.xml><?xml version="1.0" encoding="utf-8"?>
+<file path=ppt/slides/slide9.xml><?xml version="1.0" encoding="utf-8"?>
 <p:sld xmlns:a="http://schemas.openxmlformats.org/drawingml/2006/main" xmlns:r="http://schemas.openxmlformats.org/officeDocument/2006/relationships" xmlns:p="http://schemas.openxmlformats.org/presentationml/2006/main">
   <p:cSld>
     <p:spTree>

--- a/14Performance.pptx
+++ b/14Performance.pptx
@@ -3600,6 +3600,13 @@
   <p:clrMapOvr>
     <a:masterClrMapping/>
   </p:clrMapOvr>
+  <p:timing>
+    <p:tnLst>
+      <p:par>
+        <p:cTn id="1" dur="indefinite" restart="never" nodeType="tmRoot"/>
+      </p:par>
+    </p:tnLst>
+  </p:timing>
 </p:sld>
 </file>
 
@@ -3707,6 +3714,13 @@
   <p:clrMapOvr>
     <a:masterClrMapping/>
   </p:clrMapOvr>
+  <p:timing>
+    <p:tnLst>
+      <p:par>
+        <p:cTn id="1" dur="indefinite" restart="never" nodeType="tmRoot"/>
+      </p:par>
+    </p:tnLst>
+  </p:timing>
 </p:sld>
 </file>
 
@@ -3769,11 +3783,7 @@
           <a:p>
             <a:r>
               <a:rPr lang="de-DE" dirty="0" smtClean="0"/>
-              <a:t>Browser </a:t>
-            </a:r>
-            <a:r>
-              <a:rPr lang="de-DE" dirty="0" smtClean="0"/>
-              <a:t>Caching</a:t>
+              <a:t>Browser Caching</a:t>
             </a:r>
           </a:p>
           <a:p>
@@ -3789,7 +3799,6 @@
               <a:rPr lang="de-DE" dirty="0" smtClean="0"/>
               <a:t>Steuerung per Header</a:t>
             </a:r>
-            <a:endParaRPr lang="de-DE" dirty="0" smtClean="0"/>
           </a:p>
           <a:p>
             <a:r>
@@ -3814,8 +3823,8 @@
           <a:p>
             <a:pPr lvl="2"/>
             <a:r>
-              <a:rPr lang="de-DE" dirty="0" err="1" smtClean="0"/>
-              <a:t>SPeicherobjekt</a:t>
+              <a:rPr lang="de-DE" dirty="0" smtClean="0"/>
+              <a:t>Speicherobjekt</a:t>
             </a:r>
             <a:endParaRPr lang="de-DE" dirty="0" smtClean="0"/>
           </a:p>
@@ -3827,11 +3836,7 @@
             </a:r>
             <a:r>
               <a:rPr lang="de-DE" dirty="0" smtClean="0"/>
-              <a:t> </a:t>
-            </a:r>
-            <a:r>
-              <a:rPr lang="de-DE" dirty="0" smtClean="0"/>
-              <a:t>Caching</a:t>
+              <a:t> Caching</a:t>
             </a:r>
           </a:p>
           <a:p>
@@ -4013,9 +4018,10 @@
           <a:p>
             <a:pPr lvl="2"/>
             <a:r>
-              <a:rPr lang="de-DE" dirty="0" smtClean="0"/>
-              <a:t>SQL</a:t>
-            </a:r>
+              <a:rPr lang="de-DE" smtClean="0"/>
+              <a:t>SQL Server</a:t>
+            </a:r>
+            <a:endParaRPr lang="de-DE" dirty="0" smtClean="0"/>
           </a:p>
           <a:p>
             <a:r>
